--- a/slides/mapreduce/3.3_mapreduce_with_combiners.pptx
+++ b/slides/mapreduce/3.3_mapreduce_with_combiners.pptx
@@ -9923,7 +9923,7 @@
         </p:spPr>
         <p:txBody>
           <a:bodyPr>
-            <a:normAutofit/>
+            <a:normAutofit lnSpcReduction="10000"/>
           </a:bodyPr>
           <a:lstStyle/>
           <a:p>
@@ -10055,6 +10055,51 @@
               </a:rPr>
               <a:t>Which makes AVG function as an associative function</a:t>
             </a:r>
+          </a:p>
+          <a:p>
+            <a:pPr marL="0" indent="0">
+              <a:spcBef>
+                <a:spcPts val="600"/>
+              </a:spcBef>
+              <a:buNone/>
+            </a:pPr>
+            <a:r>
+              <a:rPr lang="en-US" sz="2800" b="1" dirty="0">
+                <a:solidFill>
+                  <a:srgbClr val="002060"/>
+                </a:solidFill>
+                <a:highlight>
+                  <a:srgbClr val="FFFF00"/>
+                </a:highlight>
+                <a:latin typeface="Consolas" panose="020B0609020204030204" pitchFamily="49" charset="0"/>
+                <a:cs typeface="Consolas" panose="020B0609020204030204" pitchFamily="49" charset="0"/>
+              </a:rPr>
+              <a:t>(K, Integer) </a:t>
+            </a:r>
+            <a:r>
+              <a:rPr lang="en-US" sz="2800" b="1" dirty="0">
+                <a:solidFill>
+                  <a:srgbClr val="002060"/>
+                </a:solidFill>
+                <a:highlight>
+                  <a:srgbClr val="FFFF00"/>
+                </a:highlight>
+                <a:latin typeface="Consolas" panose="020B0609020204030204" pitchFamily="49" charset="0"/>
+                <a:cs typeface="Consolas" panose="020B0609020204030204" pitchFamily="49" charset="0"/>
+                <a:sym typeface="Wingdings" pitchFamily="2" charset="2"/>
+              </a:rPr>
+              <a:t> (K, (Integer, Integer))</a:t>
+            </a:r>
+            <a:endParaRPr lang="en-US" sz="2800" b="1" dirty="0">
+              <a:solidFill>
+                <a:srgbClr val="002060"/>
+              </a:solidFill>
+              <a:highlight>
+                <a:srgbClr val="FFFF00"/>
+              </a:highlight>
+              <a:latin typeface="Consolas" panose="020B0609020204030204" pitchFamily="49" charset="0"/>
+              <a:cs typeface="Consolas" panose="020B0609020204030204" pitchFamily="49" charset="0"/>
+            </a:endParaRPr>
           </a:p>
           <a:p>
             <a:pPr>
@@ -10223,7 +10268,7 @@
         </p:spPr>
         <p:txBody>
           <a:bodyPr>
-            <a:normAutofit fontScale="77500" lnSpcReduction="20000"/>
+            <a:normAutofit fontScale="62500" lnSpcReduction="20000"/>
           </a:bodyPr>
           <a:lstStyle/>
           <a:p>
@@ -10311,6 +10356,70 @@
               <a:latin typeface="Consolas" panose="020B0609020204030204" pitchFamily="49" charset="0"/>
               <a:cs typeface="Consolas" panose="020B0609020204030204" pitchFamily="49" charset="0"/>
             </a:endParaRPr>
+          </a:p>
+          <a:p>
+            <a:pPr marL="0" indent="0">
+              <a:spcBef>
+                <a:spcPts val="600"/>
+              </a:spcBef>
+              <a:buNone/>
+            </a:pPr>
+            <a:r>
+              <a:rPr lang="en-US" sz="3200" dirty="0">
+                <a:solidFill>
+                  <a:srgbClr val="002060"/>
+                </a:solidFill>
+                <a:latin typeface="Consolas" panose="020B0609020204030204" pitchFamily="49" charset="0"/>
+                <a:cs typeface="Consolas" panose="020B0609020204030204" pitchFamily="49" charset="0"/>
+              </a:rPr>
+              <a:t>COMBINE( (K, (sum1, count1)) , (K, (sum2, count2)))</a:t>
+            </a:r>
+          </a:p>
+          <a:p>
+            <a:pPr>
+              <a:spcBef>
+                <a:spcPts val="600"/>
+              </a:spcBef>
+            </a:pPr>
+            <a:r>
+              <a:rPr lang="en-US" sz="3200" dirty="0">
+                <a:solidFill>
+                  <a:srgbClr val="002060"/>
+                </a:solidFill>
+                <a:highlight>
+                  <a:srgbClr val="FFFF00"/>
+                </a:highlight>
+                <a:latin typeface="Consolas" panose="020B0609020204030204" pitchFamily="49" charset="0"/>
+                <a:cs typeface="Consolas" panose="020B0609020204030204" pitchFamily="49" charset="0"/>
+              </a:rPr>
+              <a:t>Average of </a:t>
+            </a:r>
+            <a:r>
+              <a:rPr lang="en-US" sz="3200" dirty="0">
+                <a:solidFill>
+                  <a:srgbClr val="0000FF"/>
+                </a:solidFill>
+                <a:highlight>
+                  <a:srgbClr val="FFFF00"/>
+                </a:highlight>
+                <a:latin typeface="Consolas" panose="020B0609020204030204" pitchFamily="49" charset="0"/>
+                <a:cs typeface="Consolas" panose="020B0609020204030204" pitchFamily="49" charset="0"/>
+              </a:rPr>
+              <a:t>Partition </a:t>
+            </a:r>
+            <a:r>
+              <a:rPr lang="en-US" sz="3200" dirty="0">
+                <a:solidFill>
+                  <a:srgbClr val="002060"/>
+                </a:solidFill>
+                <a:highlight>
+                  <a:srgbClr val="FFFF00"/>
+                </a:highlight>
+                <a:latin typeface="Consolas" panose="020B0609020204030204" pitchFamily="49" charset="0"/>
+                <a:cs typeface="Consolas" panose="020B0609020204030204" pitchFamily="49" charset="0"/>
+              </a:rPr>
+              <a:t>: (K, (sum1+sum2, count1+count2))</a:t>
+            </a:r>
           </a:p>
           <a:p>
             <a:pPr>
@@ -10617,17 +10726,17 @@
         <p:spPr>
           <a:xfrm>
             <a:off x="838200" y="365125"/>
-            <a:ext cx="10515600" cy="549275"/>
+            <a:ext cx="10515600" cy="433661"/>
           </a:xfrm>
         </p:spPr>
         <p:txBody>
           <a:bodyPr>
-            <a:normAutofit fontScale="90000"/>
+            <a:noAutofit/>
           </a:bodyPr>
           <a:lstStyle/>
           <a:p>
             <a:r>
-              <a:rPr lang="en-US" dirty="0"/>
+              <a:rPr lang="en-US" sz="3200" dirty="0"/>
               <a:t>New Mapper function:</a:t>
             </a:r>
           </a:p>
@@ -10651,13 +10760,13 @@
         </p:nvSpPr>
         <p:spPr>
           <a:xfrm>
-            <a:off x="838200" y="1030014"/>
-            <a:ext cx="10515600" cy="5146949"/>
+            <a:off x="838200" y="798786"/>
+            <a:ext cx="10515600" cy="5378177"/>
           </a:xfrm>
         </p:spPr>
         <p:txBody>
           <a:bodyPr>
-            <a:normAutofit fontScale="92500" lnSpcReduction="20000"/>
+            <a:normAutofit fontScale="70000" lnSpcReduction="20000"/>
           </a:bodyPr>
           <a:lstStyle/>
           <a:p>
@@ -10891,7 +11000,7 @@
                 <a:latin typeface="Consolas" panose="020B0609020204030204" pitchFamily="49" charset="0"/>
                 <a:cs typeface="Consolas" panose="020B0609020204030204" pitchFamily="49" charset="0"/>
               </a:rPr>
-              <a:t>      # value is a (sum, count) tuple, which enables associativity </a:t>
+              <a:t>      ### value is a (sum, count) tuple, which enables associativity </a:t>
             </a:r>
           </a:p>
           <a:p>
@@ -10910,7 +11019,7 @@
                 <a:latin typeface="Consolas" panose="020B0609020204030204" pitchFamily="49" charset="0"/>
                 <a:cs typeface="Consolas" panose="020B0609020204030204" pitchFamily="49" charset="0"/>
               </a:rPr>
-              <a:t>      emit(</a:t>
+              <a:t>      ### </a:t>
             </a:r>
             <a:r>
               <a:rPr lang="en-US" sz="1800" b="1" dirty="0" err="1">
@@ -10920,7 +11029,7 @@
                 <a:latin typeface="Consolas" panose="020B0609020204030204" pitchFamily="49" charset="0"/>
                 <a:cs typeface="Consolas" panose="020B0609020204030204" pitchFamily="49" charset="0"/>
               </a:rPr>
-              <a:t>new_key</a:t>
+              <a:t>new_value</a:t>
             </a:r>
             <a:r>
               <a:rPr lang="en-US" sz="1800" b="1" dirty="0">
@@ -10930,7 +11039,7 @@
                 <a:latin typeface="Consolas" panose="020B0609020204030204" pitchFamily="49" charset="0"/>
                 <a:cs typeface="Consolas" panose="020B0609020204030204" pitchFamily="49" charset="0"/>
               </a:rPr>
-              <a:t>, (temperature, 1))</a:t>
+              <a:t> = (sum, count)</a:t>
             </a:r>
           </a:p>
           <a:p>
@@ -10949,7 +11058,183 @@
                 <a:latin typeface="Consolas" panose="020B0609020204030204" pitchFamily="49" charset="0"/>
                 <a:cs typeface="Consolas" panose="020B0609020204030204" pitchFamily="49" charset="0"/>
               </a:rPr>
-              <a:t>      emit(country, (temperature, 1))</a:t>
+              <a:t>      </a:t>
+            </a:r>
+            <a:r>
+              <a:rPr lang="en-US" sz="1800" b="1" dirty="0" err="1">
+                <a:solidFill>
+                  <a:srgbClr val="002060"/>
+                </a:solidFill>
+                <a:latin typeface="Consolas" panose="020B0609020204030204" pitchFamily="49" charset="0"/>
+                <a:cs typeface="Consolas" panose="020B0609020204030204" pitchFamily="49" charset="0"/>
+              </a:rPr>
+              <a:t>new_value</a:t>
+            </a:r>
+            <a:r>
+              <a:rPr lang="en-US" sz="1800" b="1" dirty="0">
+                <a:solidFill>
+                  <a:srgbClr val="002060"/>
+                </a:solidFill>
+                <a:latin typeface="Consolas" panose="020B0609020204030204" pitchFamily="49" charset="0"/>
+                <a:cs typeface="Consolas" panose="020B0609020204030204" pitchFamily="49" charset="0"/>
+              </a:rPr>
+              <a:t> = (temperature, 1) </a:t>
+            </a:r>
+          </a:p>
+          <a:p>
+            <a:pPr marL="342900" indent="-342900">
+              <a:spcBef>
+                <a:spcPts val="600"/>
+              </a:spcBef>
+              <a:buFont typeface="+mj-lt"/>
+              <a:buAutoNum type="arabicPeriod"/>
+            </a:pPr>
+            <a:r>
+              <a:rPr lang="en-US" sz="1800" b="1" dirty="0">
+                <a:solidFill>
+                  <a:srgbClr val="002060"/>
+                </a:solidFill>
+                <a:latin typeface="Consolas" panose="020B0609020204030204" pitchFamily="49" charset="0"/>
+                <a:cs typeface="Consolas" panose="020B0609020204030204" pitchFamily="49" charset="0"/>
+              </a:rPr>
+              <a:t>      ### emit(</a:t>
+            </a:r>
+            <a:r>
+              <a:rPr lang="en-US" sz="1800" b="1" dirty="0" err="1">
+                <a:solidFill>
+                  <a:srgbClr val="002060"/>
+                </a:solidFill>
+                <a:latin typeface="Consolas" panose="020B0609020204030204" pitchFamily="49" charset="0"/>
+                <a:cs typeface="Consolas" panose="020B0609020204030204" pitchFamily="49" charset="0"/>
+              </a:rPr>
+              <a:t>new_key</a:t>
+            </a:r>
+            <a:r>
+              <a:rPr lang="en-US" sz="1800" b="1" dirty="0">
+                <a:solidFill>
+                  <a:srgbClr val="002060"/>
+                </a:solidFill>
+                <a:latin typeface="Consolas" panose="020B0609020204030204" pitchFamily="49" charset="0"/>
+                <a:cs typeface="Consolas" panose="020B0609020204030204" pitchFamily="49" charset="0"/>
+              </a:rPr>
+              <a:t>, temperature)</a:t>
+            </a:r>
+          </a:p>
+          <a:p>
+            <a:pPr marL="342900" indent="-342900">
+              <a:spcBef>
+                <a:spcPts val="600"/>
+              </a:spcBef>
+              <a:buFont typeface="+mj-lt"/>
+              <a:buAutoNum type="arabicPeriod"/>
+            </a:pPr>
+            <a:r>
+              <a:rPr lang="en-US" sz="1800" b="1" dirty="0">
+                <a:solidFill>
+                  <a:srgbClr val="002060"/>
+                </a:solidFill>
+                <a:latin typeface="Consolas" panose="020B0609020204030204" pitchFamily="49" charset="0"/>
+                <a:cs typeface="Consolas" panose="020B0609020204030204" pitchFamily="49" charset="0"/>
+              </a:rPr>
+              <a:t>      emit(</a:t>
+            </a:r>
+            <a:r>
+              <a:rPr lang="en-US" sz="1800" b="1" dirty="0" err="1">
+                <a:solidFill>
+                  <a:srgbClr val="002060"/>
+                </a:solidFill>
+                <a:latin typeface="Consolas" panose="020B0609020204030204" pitchFamily="49" charset="0"/>
+                <a:cs typeface="Consolas" panose="020B0609020204030204" pitchFamily="49" charset="0"/>
+              </a:rPr>
+              <a:t>new_key</a:t>
+            </a:r>
+            <a:r>
+              <a:rPr lang="en-US" sz="1800" b="1" dirty="0">
+                <a:solidFill>
+                  <a:srgbClr val="002060"/>
+                </a:solidFill>
+                <a:latin typeface="Consolas" panose="020B0609020204030204" pitchFamily="49" charset="0"/>
+                <a:cs typeface="Consolas" panose="020B0609020204030204" pitchFamily="49" charset="0"/>
+              </a:rPr>
+              <a:t>, </a:t>
+            </a:r>
+            <a:r>
+              <a:rPr lang="en-US" sz="1800" b="1" dirty="0" err="1">
+                <a:solidFill>
+                  <a:srgbClr val="002060"/>
+                </a:solidFill>
+                <a:latin typeface="Consolas" panose="020B0609020204030204" pitchFamily="49" charset="0"/>
+                <a:cs typeface="Consolas" panose="020B0609020204030204" pitchFamily="49" charset="0"/>
+              </a:rPr>
+              <a:t>new_value</a:t>
+            </a:r>
+            <a:r>
+              <a:rPr lang="en-US" sz="1800" b="1" dirty="0">
+                <a:solidFill>
+                  <a:srgbClr val="002060"/>
+                </a:solidFill>
+                <a:latin typeface="Consolas" panose="020B0609020204030204" pitchFamily="49" charset="0"/>
+                <a:cs typeface="Consolas" panose="020B0609020204030204" pitchFamily="49" charset="0"/>
+              </a:rPr>
+              <a:t>)</a:t>
+            </a:r>
+          </a:p>
+          <a:p>
+            <a:pPr marL="342900" indent="-342900">
+              <a:spcBef>
+                <a:spcPts val="600"/>
+              </a:spcBef>
+              <a:buFont typeface="+mj-lt"/>
+              <a:buAutoNum type="arabicPeriod"/>
+            </a:pPr>
+            <a:r>
+              <a:rPr lang="en-US" sz="1800" b="1" dirty="0">
+                <a:solidFill>
+                  <a:srgbClr val="002060"/>
+                </a:solidFill>
+                <a:latin typeface="Consolas" panose="020B0609020204030204" pitchFamily="49" charset="0"/>
+                <a:cs typeface="Consolas" panose="020B0609020204030204" pitchFamily="49" charset="0"/>
+              </a:rPr>
+              <a:t>      ### emit(country, temperature)</a:t>
+            </a:r>
+          </a:p>
+          <a:p>
+            <a:pPr marL="342900" indent="-342900">
+              <a:spcBef>
+                <a:spcPts val="600"/>
+              </a:spcBef>
+              <a:buFont typeface="+mj-lt"/>
+              <a:buAutoNum type="arabicPeriod"/>
+            </a:pPr>
+            <a:r>
+              <a:rPr lang="en-US" sz="1800" b="1" dirty="0">
+                <a:solidFill>
+                  <a:srgbClr val="002060"/>
+                </a:solidFill>
+                <a:latin typeface="Consolas" panose="020B0609020204030204" pitchFamily="49" charset="0"/>
+                <a:cs typeface="Consolas" panose="020B0609020204030204" pitchFamily="49" charset="0"/>
+              </a:rPr>
+              <a:t>      emit(country, </a:t>
+            </a:r>
+            <a:r>
+              <a:rPr lang="en-US" sz="1800" b="1" dirty="0" err="1">
+                <a:solidFill>
+                  <a:srgbClr val="002060"/>
+                </a:solidFill>
+                <a:latin typeface="Consolas" panose="020B0609020204030204" pitchFamily="49" charset="0"/>
+                <a:cs typeface="Consolas" panose="020B0609020204030204" pitchFamily="49" charset="0"/>
+              </a:rPr>
+              <a:t>new_value</a:t>
+            </a:r>
+            <a:r>
+              <a:rPr lang="en-US" sz="1800" b="1" dirty="0">
+                <a:solidFill>
+                  <a:srgbClr val="002060"/>
+                </a:solidFill>
+                <a:latin typeface="Consolas" panose="020B0609020204030204" pitchFamily="49" charset="0"/>
+                <a:cs typeface="Consolas" panose="020B0609020204030204" pitchFamily="49" charset="0"/>
+              </a:rPr>
+              <a:t>)</a:t>
             </a:r>
           </a:p>
           <a:p>
@@ -11078,36 +11363,6 @@
               </a:rPr>
               <a:t>(“CANADA, (38, 1))</a:t>
             </a:r>
-          </a:p>
-          <a:p>
-            <a:pPr marL="0" indent="0">
-              <a:spcBef>
-                <a:spcPts val="600"/>
-              </a:spcBef>
-              <a:buNone/>
-            </a:pPr>
-            <a:endParaRPr lang="en-US" sz="1800" dirty="0">
-              <a:solidFill>
-                <a:srgbClr val="002060"/>
-              </a:solidFill>
-              <a:latin typeface="Consolas" panose="020B0609020204030204" pitchFamily="49" charset="0"/>
-              <a:cs typeface="Consolas" panose="020B0609020204030204" pitchFamily="49" charset="0"/>
-            </a:endParaRPr>
-          </a:p>
-          <a:p>
-            <a:pPr marL="0" indent="0">
-              <a:spcBef>
-                <a:spcPts val="600"/>
-              </a:spcBef>
-              <a:buNone/>
-            </a:pPr>
-            <a:endParaRPr lang="en-US" sz="1800" dirty="0">
-              <a:solidFill>
-                <a:srgbClr val="0000FF"/>
-              </a:solidFill>
-              <a:latin typeface="Consolas" panose="020B0609020204030204" pitchFamily="49" charset="0"/>
-              <a:cs typeface="Consolas" panose="020B0609020204030204" pitchFamily="49" charset="0"/>
-            </a:endParaRPr>
           </a:p>
         </p:txBody>
       </p:sp>
@@ -11211,7 +11466,7 @@
         </p:spPr>
         <p:txBody>
           <a:bodyPr>
-            <a:normAutofit/>
+            <a:normAutofit fontScale="92500" lnSpcReduction="20000"/>
           </a:bodyPr>
           <a:lstStyle/>
           <a:p>
@@ -11238,7 +11493,7 @@
               </a:spcBef>
             </a:pPr>
             <a:r>
-              <a:rPr lang="en-US" sz="3200" dirty="0">
+              <a:rPr lang="en-US" sz="2600" dirty="0">
                 <a:solidFill>
                   <a:srgbClr val="0000FF"/>
                 </a:solidFill>
@@ -11248,7 +11503,7 @@
               <a:t>Partition-1: </a:t>
             </a:r>
             <a:r>
-              <a:rPr lang="en-US" sz="3200" dirty="0">
+              <a:rPr lang="en-US" sz="2600" dirty="0">
                 <a:solidFill>
                   <a:srgbClr val="002060"/>
                 </a:solidFill>
@@ -11265,7 +11520,7 @@
               </a:spcBef>
             </a:pPr>
             <a:r>
-              <a:rPr lang="en-US" sz="3200" dirty="0">
+              <a:rPr lang="en-US" sz="2600" dirty="0">
                 <a:solidFill>
                   <a:srgbClr val="0000FF"/>
                 </a:solidFill>
@@ -11275,7 +11530,7 @@
               <a:t>Partition-2: </a:t>
             </a:r>
             <a:r>
-              <a:rPr lang="en-US" sz="3200" dirty="0">
+              <a:rPr lang="en-US" sz="2600" dirty="0">
                 <a:solidFill>
                   <a:srgbClr val="002060"/>
                 </a:solidFill>
@@ -11286,11 +11541,37 @@
             </a:r>
           </a:p>
           <a:p>
-            <a:pPr marL="0" indent="0">
-              <a:spcBef>
-                <a:spcPts val="600"/>
-              </a:spcBef>
-              <a:buNone/>
+            <a:pPr>
+              <a:spcBef>
+                <a:spcPts val="600"/>
+              </a:spcBef>
+            </a:pPr>
+            <a:r>
+              <a:rPr lang="en-US" sz="2600" dirty="0">
+                <a:solidFill>
+                  <a:srgbClr val="0000FF"/>
+                </a:solidFill>
+                <a:latin typeface="Consolas" panose="020B0609020204030204" pitchFamily="49" charset="0"/>
+                <a:cs typeface="Consolas" panose="020B0609020204030204" pitchFamily="49" charset="0"/>
+              </a:rPr>
+              <a:t>Partition-3: </a:t>
+            </a:r>
+            <a:r>
+              <a:rPr lang="en-US" sz="2600" dirty="0">
+                <a:solidFill>
+                  <a:srgbClr val="002060"/>
+                </a:solidFill>
+                <a:latin typeface="Consolas" panose="020B0609020204030204" pitchFamily="49" charset="0"/>
+                <a:cs typeface="Consolas" panose="020B0609020204030204" pitchFamily="49" charset="0"/>
+              </a:rPr>
+              <a:t>(K, (10, 1)), (K, (20, 1)), (K, (30, 1))</a:t>
+            </a:r>
+          </a:p>
+          <a:p>
+            <a:pPr>
+              <a:spcBef>
+                <a:spcPts val="600"/>
+              </a:spcBef>
             </a:pPr>
             <a:endParaRPr lang="en-US" sz="3200" dirty="0">
               <a:solidFill>
@@ -11301,55 +11582,11 @@
             </a:endParaRPr>
           </a:p>
           <a:p>
-            <a:pPr>
-              <a:spcBef>
-                <a:spcPts val="600"/>
-              </a:spcBef>
-            </a:pPr>
-            <a:r>
-              <a:rPr lang="en-US" sz="3200" dirty="0">
-                <a:solidFill>
-                  <a:srgbClr val="002060"/>
-                </a:solidFill>
-                <a:latin typeface="Consolas" panose="020B0609020204030204" pitchFamily="49" charset="0"/>
-                <a:cs typeface="Consolas" panose="020B0609020204030204" pitchFamily="49" charset="0"/>
-              </a:rPr>
-              <a:t>Combiner for Partition-1: </a:t>
-            </a:r>
-          </a:p>
-          <a:p>
-            <a:pPr marL="0" indent="0">
-              <a:spcBef>
-                <a:spcPts val="600"/>
-              </a:spcBef>
-              <a:buNone/>
-            </a:pPr>
-            <a:r>
-              <a:rPr lang="en-US" sz="3200" dirty="0">
-                <a:solidFill>
-                  <a:srgbClr val="002060"/>
-                </a:solidFill>
-                <a:latin typeface="Consolas" panose="020B0609020204030204" pitchFamily="49" charset="0"/>
-                <a:cs typeface="Consolas" panose="020B0609020204030204" pitchFamily="49" charset="0"/>
-              </a:rPr>
-              <a:t> (K, (6+7, 1+1)) = </a:t>
-            </a:r>
-            <a:r>
-              <a:rPr lang="en-US" sz="3200" dirty="0">
-                <a:solidFill>
-                  <a:srgbClr val="0000FF"/>
-                </a:solidFill>
-                <a:latin typeface="Consolas" panose="020B0609020204030204" pitchFamily="49" charset="0"/>
-                <a:cs typeface="Consolas" panose="020B0609020204030204" pitchFamily="49" charset="0"/>
-              </a:rPr>
-              <a:t>(K, (13, 2))</a:t>
-            </a:r>
-          </a:p>
-          <a:p>
-            <a:pPr>
-              <a:spcBef>
-                <a:spcPts val="600"/>
-              </a:spcBef>
+            <a:pPr marL="0" indent="0">
+              <a:spcBef>
+                <a:spcPts val="600"/>
+              </a:spcBef>
+              <a:buNone/>
             </a:pPr>
             <a:endParaRPr lang="en-US" sz="3200" dirty="0">
               <a:solidFill>
@@ -11373,6 +11610,65 @@
                 <a:latin typeface="Consolas" panose="020B0609020204030204" pitchFamily="49" charset="0"/>
                 <a:cs typeface="Consolas" panose="020B0609020204030204" pitchFamily="49" charset="0"/>
               </a:rPr>
+              <a:t>Combiner for Partition-1: </a:t>
+            </a:r>
+          </a:p>
+          <a:p>
+            <a:pPr marL="0" indent="0">
+              <a:spcBef>
+                <a:spcPts val="600"/>
+              </a:spcBef>
+              <a:buNone/>
+            </a:pPr>
+            <a:r>
+              <a:rPr lang="en-US" sz="3200" dirty="0">
+                <a:solidFill>
+                  <a:srgbClr val="002060"/>
+                </a:solidFill>
+                <a:latin typeface="Consolas" panose="020B0609020204030204" pitchFamily="49" charset="0"/>
+                <a:cs typeface="Consolas" panose="020B0609020204030204" pitchFamily="49" charset="0"/>
+              </a:rPr>
+              <a:t> (K, (6+7, 1+1)) = </a:t>
+            </a:r>
+            <a:r>
+              <a:rPr lang="en-US" sz="3200" dirty="0">
+                <a:solidFill>
+                  <a:srgbClr val="0000FF"/>
+                </a:solidFill>
+                <a:latin typeface="Consolas" panose="020B0609020204030204" pitchFamily="49" charset="0"/>
+                <a:cs typeface="Consolas" panose="020B0609020204030204" pitchFamily="49" charset="0"/>
+              </a:rPr>
+              <a:t>(K, (13, 2))</a:t>
+            </a:r>
+          </a:p>
+          <a:p>
+            <a:pPr>
+              <a:spcBef>
+                <a:spcPts val="600"/>
+              </a:spcBef>
+            </a:pPr>
+            <a:endParaRPr lang="en-US" sz="3200" dirty="0">
+              <a:solidFill>
+                <a:srgbClr val="002060"/>
+              </a:solidFill>
+              <a:latin typeface="Consolas" panose="020B0609020204030204" pitchFamily="49" charset="0"/>
+              <a:cs typeface="Consolas" panose="020B0609020204030204" pitchFamily="49" charset="0"/>
+            </a:endParaRPr>
+          </a:p>
+          <a:p>
+            <a:pPr>
+              <a:spcBef>
+                <a:spcPts val="600"/>
+              </a:spcBef>
+            </a:pPr>
+            <a:r>
+              <a:rPr lang="en-US" sz="3200" dirty="0">
+                <a:solidFill>
+                  <a:srgbClr val="002060"/>
+                </a:solidFill>
+                <a:latin typeface="Consolas" panose="020B0609020204030204" pitchFamily="49" charset="0"/>
+                <a:cs typeface="Consolas" panose="020B0609020204030204" pitchFamily="49" charset="0"/>
+              </a:rPr>
               <a:t>Combiner for Partition-2: </a:t>
             </a:r>
             <a:r>
@@ -11385,6 +11681,51 @@
               </a:rPr>
               <a:t>(K, (8, 1))</a:t>
             </a:r>
+          </a:p>
+          <a:p>
+            <a:pPr>
+              <a:spcBef>
+                <a:spcPts val="600"/>
+              </a:spcBef>
+            </a:pPr>
+            <a:r>
+              <a:rPr lang="en-US" sz="3200" dirty="0">
+                <a:solidFill>
+                  <a:srgbClr val="002060"/>
+                </a:solidFill>
+                <a:latin typeface="Consolas" panose="020B0609020204030204" pitchFamily="49" charset="0"/>
+                <a:cs typeface="Consolas" panose="020B0609020204030204" pitchFamily="49" charset="0"/>
+              </a:rPr>
+              <a:t>Combiner for Partition-3: (K, (60, 3)) </a:t>
+            </a:r>
+          </a:p>
+          <a:p>
+            <a:pPr>
+              <a:spcBef>
+                <a:spcPts val="600"/>
+              </a:spcBef>
+            </a:pPr>
+            <a:endParaRPr lang="en-US" sz="3200" dirty="0">
+              <a:solidFill>
+                <a:srgbClr val="0000FF"/>
+              </a:solidFill>
+              <a:latin typeface="Consolas" panose="020B0609020204030204" pitchFamily="49" charset="0"/>
+              <a:cs typeface="Consolas" panose="020B0609020204030204" pitchFamily="49" charset="0"/>
+            </a:endParaRPr>
+          </a:p>
+          <a:p>
+            <a:pPr>
+              <a:spcBef>
+                <a:spcPts val="600"/>
+              </a:spcBef>
+            </a:pPr>
+            <a:endParaRPr lang="en-US" sz="3200" dirty="0">
+              <a:solidFill>
+                <a:srgbClr val="0000FF"/>
+              </a:solidFill>
+              <a:latin typeface="Consolas" panose="020B0609020204030204" pitchFamily="49" charset="0"/>
+              <a:cs typeface="Consolas" panose="020B0609020204030204" pitchFamily="49" charset="0"/>
+            </a:endParaRPr>
           </a:p>
           <a:p>
             <a:pPr marL="0" indent="0">
@@ -13964,7 +14305,20 @@
                 <a:latin typeface="Consolas" panose="020B0609020204030204" pitchFamily="49" charset="0"/>
                 <a:cs typeface="Consolas" panose="020B0609020204030204" pitchFamily="49" charset="0"/>
               </a:rPr>
-              <a:t>Reducer’s input: (K, [(90, 3), (106, 4)]) </a:t>
+              <a:t>Reducer’s input: (K, </a:t>
+            </a:r>
+            <a:r>
+              <a:rPr lang="en-US" sz="2400" dirty="0">
+                <a:solidFill>
+                  <a:srgbClr val="0000FF"/>
+                </a:solidFill>
+                <a:highlight>
+                  <a:srgbClr val="FFFF00"/>
+                </a:highlight>
+                <a:latin typeface="Consolas" panose="020B0609020204030204" pitchFamily="49" charset="0"/>
+                <a:cs typeface="Consolas" panose="020B0609020204030204" pitchFamily="49" charset="0"/>
+              </a:rPr>
+              <a:t>[(90, 3), (106, 4)]) </a:t>
             </a:r>
           </a:p>
           <a:p>
